--- a/project/Presentation.pptx
+++ b/project/Presentation.pptx
@@ -7980,7 +7980,7 @@
         </p:nvSpPr>
         <p:spPr>
           <a:xfrm>
-            <a:off x="1251678" y="1937857"/>
+            <a:off x="1268008" y="1827525"/>
             <a:ext cx="10178322" cy="3941735"/>
           </a:xfrm>
         </p:spPr>
@@ -8126,13 +8126,10 @@
         </p:spPr>
         <p:txBody>
           <a:bodyPr>
-            <a:normAutofit lnSpcReduction="10000"/>
+            <a:normAutofit fontScale="92500" lnSpcReduction="20000"/>
           </a:bodyPr>
           <a:lstStyle/>
           <a:p>
-            <a:pPr marL="0" indent="0">
-              <a:buNone/>
-            </a:pPr>
             <a:r>
               <a:rPr lang="en-US" sz="2800" dirty="0"/>
               <a:t>Computing in the cloud:</a:t>
@@ -8179,6 +8176,20 @@
               <a:rPr lang="en-US" sz="2800" dirty="0"/>
               <a:t> Parallelization</a:t>
             </a:r>
+          </a:p>
+          <a:p>
+            <a:r>
+              <a:rPr lang="en-US" sz="2800" dirty="0"/>
+              <a:t>Testing other evolutionary methods (e.g. Family-based)</a:t>
+            </a:r>
+          </a:p>
+          <a:p>
+            <a:pPr lvl="1"/>
+            <a:endParaRPr lang="en-US" sz="2800" dirty="0"/>
+          </a:p>
+          <a:p>
+            <a:pPr lvl="1"/>
+            <a:endParaRPr lang="en-US" sz="2800" dirty="0"/>
           </a:p>
           <a:p>
             <a:pPr lvl="1"/>
@@ -8271,7 +8282,7 @@
         </p:spPr>
         <p:txBody>
           <a:bodyPr>
-            <a:normAutofit fontScale="70000" lnSpcReduction="20000"/>
+            <a:normAutofit fontScale="77500" lnSpcReduction="20000"/>
           </a:bodyPr>
           <a:lstStyle/>
           <a:p>
@@ -8301,13 +8312,15 @@
           <a:p>
             <a:r>
               <a:rPr lang="en-US" dirty="0"/>
-              <a:t>Diaconis, Persi. (2009). The Markov Chain Monte Carlo Revolution. Bulletin of the American Mathematical Society. 46. 179-205. 10.1090/S0273-0979-08-01238-X. </a:t>
-            </a:r>
-          </a:p>
-          <a:p>
+              <a:t>Diaconis, Persi. (2009). The Markov Chain Monte Carlo Revolution. Bulletin of the American Mathematical Society. 46. 179-205. 10.1090/S0273-0979-08-01238-X</a:t>
+            </a:r>
+            <a:r>
+              <a:rPr lang="en-US"/>
+              <a:t>. (</a:t>
+            </a:r>
             <a:r>
               <a:rPr lang="en-US" dirty="0"/>
-              <a:t>(https://www.statweb.stanford.edu/~cgates/PERSI/papers/MCMCRev.pdf) </a:t>
+              <a:t>https://www.statweb.stanford.edu/~cgates/PERSI/papers/MCMCRev.pdf) </a:t>
             </a:r>
           </a:p>
           <a:p>
@@ -8651,7 +8664,41 @@
           <a:p>
             <a:r>
               <a:rPr lang="en-US" dirty="0"/>
-              <a:t>Drugan and Thierens (2003) summarized research on developments in the space of evolutionary MCMC and categorize these algorithms into two categories:</a:t>
+              <a:t>Chen and Rosenthal (2010) go further than substation-based encryption to show that Markov Chain Monte Carlo can be used to successfully decrypt transposition ciphers and even substitution-plus-transposition ciphers </a:t>
+            </a:r>
+          </a:p>
+          <a:p>
+            <a:r>
+              <a:rPr lang="en-US" dirty="0" err="1"/>
+              <a:t>Alsharafat</a:t>
+            </a:r>
+            <a:r>
+              <a:rPr lang="en-US" dirty="0"/>
+              <a:t> (2015) explores the use of evolutionary algorithms to create strong encryption methods through crossover and mutation-based ciphers. However, the paper doesn’t explore the use of these methods to decrypt an encrypted text with an unknown key. </a:t>
+            </a:r>
+          </a:p>
+          <a:p>
+            <a:r>
+              <a:rPr lang="en-US" dirty="0"/>
+              <a:t>Garg (2010) looks at the theoretical application of evolutionary algorithms as a mechanism for cryptanalysis but does not apply them or evaluate their effectiveness at decryption versus other methods. </a:t>
+            </a:r>
+          </a:p>
+          <a:p>
+            <a:r>
+              <a:rPr lang="en-US" dirty="0" err="1"/>
+              <a:t>Drugan</a:t>
+            </a:r>
+            <a:r>
+              <a:rPr lang="en-US" dirty="0"/>
+              <a:t> and </a:t>
+            </a:r>
+            <a:r>
+              <a:rPr lang="en-US" dirty="0" err="1"/>
+              <a:t>Thierens</a:t>
+            </a:r>
+            <a:r>
+              <a:rPr lang="en-US" dirty="0"/>
+              <a:t> (2003) summarized research on developments in the space of evolutionary MCMC and categorize these algorithms into two categories:</a:t>
             </a:r>
           </a:p>
           <a:p>
@@ -8666,24 +8713,6 @@
             <a:r>
               <a:rPr lang="en-US" sz="2000" dirty="0"/>
               <a:t>Population-driven algorithms: proposal distribution adapts based on the entire current population</a:t>
-            </a:r>
-          </a:p>
-          <a:p>
-            <a:r>
-              <a:rPr lang="en-US" dirty="0"/>
-              <a:t>Chen and Rosenthal (2010) go further than substation-based encryption to show that Markov Chain Monte Carlo can be used to successfully decrypt transposition ciphers and even substitution-plus-transposition ciphers </a:t>
-            </a:r>
-          </a:p>
-          <a:p>
-            <a:r>
-              <a:rPr lang="en-US" dirty="0"/>
-              <a:t>Alsharafat (2015) explores the use of evolutionary algorithms to create strong encryption methods through crossover and mutation-based ciphers. However, the paper doesn’t explore the use of these methods to decrypt an encrypted text with an unknown key. </a:t>
-            </a:r>
-          </a:p>
-          <a:p>
-            <a:r>
-              <a:rPr lang="en-US" dirty="0"/>
-              <a:t>Garg (2010) looks at the theoretical application of evolutionary algorithms as a mechanism for cryptanalysis but does not apply them or evaluate their effectiveness at decryption versus other methods. </a:t>
             </a:r>
           </a:p>
         </p:txBody>
